--- a/lectures/causality_experiments.pptx
+++ b/lectures/causality_experiments.pptx
@@ -28494,31 +28494,6 @@
               <a:rPr lang="en-US" dirty="0"/>
               <a:t>What is your question? Is it fundamentally causal? Or not?</a:t>
             </a:r>
-          </a:p>
-        </p:txBody>
-      </p:sp>
-      <p:sp>
-        <p:nvSpPr>
-          <p:cNvPr id="5" name="Text Placeholder 4">
-            <a:extLst>
-              <a:ext uri="{FF2B5EF4-FFF2-40B4-BE49-F238E27FC236}">
-                <a16:creationId xmlns:a16="http://schemas.microsoft.com/office/drawing/2014/main" id="{FA63229C-EAF1-C742-8120-5D5A384399A7}"/>
-              </a:ext>
-            </a:extLst>
-          </p:cNvPr>
-          <p:cNvSpPr>
-            <a:spLocks noGrp="1"/>
-          </p:cNvSpPr>
-          <p:nvPr>
-            <p:ph type="body" idx="1"/>
-          </p:nvPr>
-        </p:nvSpPr>
-        <p:spPr/>
-        <p:txBody>
-          <a:bodyPr/>
-          <a:lstStyle/>
-          <a:p>
-            <a:endParaRPr lang="en-US"/>
           </a:p>
         </p:txBody>
       </p:sp>

--- a/lectures/causality_experiments.pptx
+++ b/lectures/causality_experiments.pptx
@@ -556,7 +556,31 @@
           <a:p>
             <a:r>
               <a:rPr lang="en-US" dirty="0"/>
-              <a:t>GET EXAMPLES FROM CLASS OF UNCLEAR CAUSALITY IN AN EXPERIMENT THEY HAVE CONDUCTED</a:t>
+              <a:t>make clearer - enumerate what links are severed, and how will you do that - spider that back into the </a:t>
+            </a:r>
+            <a:r>
+              <a:rPr lang="en-US" dirty="0" err="1"/>
+              <a:t>preceeding</a:t>
+            </a:r>
+            <a:r>
+              <a:rPr lang="en-US" dirty="0"/>
+              <a:t> slides. Also </a:t>
+            </a:r>
+            <a:r>
+              <a:rPr lang="en-US" dirty="0" err="1"/>
+              <a:t>picutres</a:t>
+            </a:r>
+            <a:r>
+              <a:rPr lang="en-US" dirty="0"/>
+              <a:t> - what is a barnacle? Identify </a:t>
+            </a:r>
+            <a:r>
+              <a:rPr lang="en-US" dirty="0" err="1"/>
+              <a:t>boston</a:t>
+            </a:r>
+            <a:r>
+              <a:rPr lang="en-US" dirty="0"/>
+              <a:t> harbor and how to isolate sites.</a:t>
             </a:r>
           </a:p>
         </p:txBody>
@@ -568,7 +592,7 @@
             <a:spLocks noGrp="1"/>
           </p:cNvSpPr>
           <p:nvPr>
-            <p:ph type="sldNum" sz="quarter" idx="10"/>
+            <p:ph type="sldNum" sz="quarter" idx="5"/>
           </p:nvPr>
         </p:nvSpPr>
         <p:spPr/>
@@ -576,10 +600,9 @@
           <a:bodyPr/>
           <a:lstStyle/>
           <a:p>
-            <a:fld id="{5723C986-FDAC-274C-B9B7-B1472D190ED6}" type="slidenum">
+            <a:fld id="{C6332D3B-FEDF-6C43-A016-1D93B22A1D6C}" type="slidenum">
               <a:rPr lang="en-US" smtClean="0"/>
-              <a:pPr/>
-              <a:t>18</a:t>
+              <a:t>9</a:t>
             </a:fld>
             <a:endParaRPr lang="en-US"/>
           </a:p>
@@ -588,7 +611,7 @@
     </p:spTree>
     <p:extLst>
       <p:ext uri="{BB962C8B-B14F-4D97-AF65-F5344CB8AC3E}">
-        <p14:creationId xmlns:p14="http://schemas.microsoft.com/office/powerpoint/2010/main" val="1719977858"/>
+        <p14:creationId xmlns:p14="http://schemas.microsoft.com/office/powerpoint/2010/main" val="493109"/>
       </p:ext>
     </p:extLst>
   </p:cSld>
@@ -644,8 +667,93 @@
           <a:p>
             <a:r>
               <a:rPr lang="en-US" dirty="0"/>
-              <a:t>add a few more diagrams</a:t>
+              <a:t>GET EXAMPLES FROM CLASS OF UNCLEAR CAUSALITY IN AN EXPERIMENT THEY HAVE CONDUCTED</a:t>
             </a:r>
+          </a:p>
+        </p:txBody>
+      </p:sp>
+      <p:sp>
+        <p:nvSpPr>
+          <p:cNvPr id="4" name="Slide Number Placeholder 3"/>
+          <p:cNvSpPr>
+            <a:spLocks noGrp="1"/>
+          </p:cNvSpPr>
+          <p:nvPr>
+            <p:ph type="sldNum" sz="quarter" idx="10"/>
+          </p:nvPr>
+        </p:nvSpPr>
+        <p:spPr/>
+        <p:txBody>
+          <a:bodyPr/>
+          <a:lstStyle/>
+          <a:p>
+            <a:fld id="{5723C986-FDAC-274C-B9B7-B1472D190ED6}" type="slidenum">
+              <a:rPr lang="en-US" smtClean="0"/>
+              <a:pPr/>
+              <a:t>18</a:t>
+            </a:fld>
+            <a:endParaRPr lang="en-US"/>
+          </a:p>
+        </p:txBody>
+      </p:sp>
+    </p:spTree>
+    <p:extLst>
+      <p:ext uri="{BB962C8B-B14F-4D97-AF65-F5344CB8AC3E}">
+        <p14:creationId xmlns:p14="http://schemas.microsoft.com/office/powerpoint/2010/main" val="1719977858"/>
+      </p:ext>
+    </p:extLst>
+  </p:cSld>
+  <p:clrMapOvr>
+    <a:masterClrMapping/>
+  </p:clrMapOvr>
+</p:notes>
+</file>
+
+<file path=ppt/notesSlides/notesSlide3.xml><?xml version="1.0" encoding="utf-8"?>
+<p:notes xmlns:a="http://schemas.openxmlformats.org/drawingml/2006/main" xmlns:r="http://schemas.openxmlformats.org/officeDocument/2006/relationships" xmlns:p="http://schemas.openxmlformats.org/presentationml/2006/main">
+  <p:cSld>
+    <p:spTree>
+      <p:nvGrpSpPr>
+        <p:cNvPr id="1" name=""/>
+        <p:cNvGrpSpPr/>
+        <p:nvPr/>
+      </p:nvGrpSpPr>
+      <p:grpSpPr>
+        <a:xfrm>
+          <a:off x="0" y="0"/>
+          <a:ext cx="0" cy="0"/>
+          <a:chOff x="0" y="0"/>
+          <a:chExt cx="0" cy="0"/>
+        </a:xfrm>
+      </p:grpSpPr>
+      <p:sp>
+        <p:nvSpPr>
+          <p:cNvPr id="2" name="Slide Image Placeholder 1"/>
+          <p:cNvSpPr>
+            <a:spLocks noGrp="1" noRot="1" noChangeAspect="1"/>
+          </p:cNvSpPr>
+          <p:nvPr>
+            <p:ph type="sldImg"/>
+          </p:nvPr>
+        </p:nvSpPr>
+        <p:spPr/>
+      </p:sp>
+      <p:sp>
+        <p:nvSpPr>
+          <p:cNvPr id="3" name="Notes Placeholder 2"/>
+          <p:cNvSpPr>
+            <a:spLocks noGrp="1"/>
+          </p:cNvSpPr>
+          <p:nvPr>
+            <p:ph type="body" idx="1"/>
+          </p:nvPr>
+        </p:nvSpPr>
+        <p:spPr/>
+        <p:txBody>
+          <a:bodyPr/>
+          <a:lstStyle/>
+          <a:p>
+            <a:endParaRPr lang="en-US" dirty="0"/>
           </a:p>
         </p:txBody>
       </p:sp>
@@ -664,6 +772,93 @@
           <a:bodyPr/>
           <a:lstStyle/>
           <a:p>
+            <a:fld id="{C6332D3B-FEDF-6C43-A016-1D93B22A1D6C}" type="slidenum">
+              <a:rPr lang="en-US" smtClean="0"/>
+              <a:t>26</a:t>
+            </a:fld>
+            <a:endParaRPr lang="en-US"/>
+          </a:p>
+        </p:txBody>
+      </p:sp>
+    </p:spTree>
+    <p:extLst>
+      <p:ext uri="{BB962C8B-B14F-4D97-AF65-F5344CB8AC3E}">
+        <p14:creationId xmlns:p14="http://schemas.microsoft.com/office/powerpoint/2010/main" val="2512167771"/>
+      </p:ext>
+    </p:extLst>
+  </p:cSld>
+  <p:clrMapOvr>
+    <a:masterClrMapping/>
+  </p:clrMapOvr>
+</p:notes>
+</file>
+
+<file path=ppt/notesSlides/notesSlide4.xml><?xml version="1.0" encoding="utf-8"?>
+<p:notes xmlns:a="http://schemas.openxmlformats.org/drawingml/2006/main" xmlns:r="http://schemas.openxmlformats.org/officeDocument/2006/relationships" xmlns:p="http://schemas.openxmlformats.org/presentationml/2006/main">
+  <p:cSld>
+    <p:spTree>
+      <p:nvGrpSpPr>
+        <p:cNvPr id="1" name=""/>
+        <p:cNvGrpSpPr/>
+        <p:nvPr/>
+      </p:nvGrpSpPr>
+      <p:grpSpPr>
+        <a:xfrm>
+          <a:off x="0" y="0"/>
+          <a:ext cx="0" cy="0"/>
+          <a:chOff x="0" y="0"/>
+          <a:chExt cx="0" cy="0"/>
+        </a:xfrm>
+      </p:grpSpPr>
+      <p:sp>
+        <p:nvSpPr>
+          <p:cNvPr id="2" name="Slide Image Placeholder 1"/>
+          <p:cNvSpPr>
+            <a:spLocks noGrp="1" noRot="1" noChangeAspect="1"/>
+          </p:cNvSpPr>
+          <p:nvPr>
+            <p:ph type="sldImg"/>
+          </p:nvPr>
+        </p:nvSpPr>
+        <p:spPr/>
+      </p:sp>
+      <p:sp>
+        <p:nvSpPr>
+          <p:cNvPr id="3" name="Notes Placeholder 2"/>
+          <p:cNvSpPr>
+            <a:spLocks noGrp="1"/>
+          </p:cNvSpPr>
+          <p:nvPr>
+            <p:ph type="body" idx="1"/>
+          </p:nvPr>
+        </p:nvSpPr>
+        <p:spPr/>
+        <p:txBody>
+          <a:bodyPr/>
+          <a:lstStyle/>
+          <a:p>
+            <a:r>
+              <a:rPr lang="en-US" dirty="0"/>
+              <a:t>add a few more diagrams</a:t>
+            </a:r>
+          </a:p>
+        </p:txBody>
+      </p:sp>
+      <p:sp>
+        <p:nvSpPr>
+          <p:cNvPr id="4" name="Slide Number Placeholder 3"/>
+          <p:cNvSpPr>
+            <a:spLocks noGrp="1"/>
+          </p:cNvSpPr>
+          <p:nvPr>
+            <p:ph type="sldNum" sz="quarter" idx="5"/>
+          </p:nvPr>
+        </p:nvSpPr>
+        <p:spPr/>
+        <p:txBody>
+          <a:bodyPr/>
+          <a:lstStyle/>
+          <a:p>
             <a:fld id="{28ADF047-1B25-3B46-81D9-720B09124FC2}" type="slidenum">
               <a:rPr lang="en-US" smtClean="0"/>
               <a:t>34</a:t>
@@ -685,7 +880,7 @@
 </p:notes>
 </file>
 
-<file path=ppt/notesSlides/notesSlide3.xml><?xml version="1.0" encoding="utf-8"?>
+<file path=ppt/notesSlides/notesSlide5.xml><?xml version="1.0" encoding="utf-8"?>
 <p:notes xmlns:a="http://schemas.openxmlformats.org/drawingml/2006/main" xmlns:r="http://schemas.openxmlformats.org/officeDocument/2006/relationships" xmlns:p="http://schemas.openxmlformats.org/presentationml/2006/main">
   <p:cSld>
     <p:spTree>

--- a/lectures/causality_experiments.pptx
+++ b/lectures/causality_experiments.pptx
@@ -779,7 +779,7 @@
           <a:p>
             <a:fld id="{C6332D3B-FEDF-6C43-A016-1D93B22A1D6C}" type="slidenum">
               <a:rPr lang="en-US" smtClean="0"/>
-              <a:t>31</a:t>
+              <a:t>30</a:t>
             </a:fld>
             <a:endParaRPr lang="en-US"/>
           </a:p>
@@ -788,7 +788,7 @@
     </p:spTree>
     <p:extLst>
       <p:ext uri="{BB962C8B-B14F-4D97-AF65-F5344CB8AC3E}">
-        <p14:creationId xmlns:p14="http://schemas.microsoft.com/office/powerpoint/2010/main" val="2512167771"/>
+        <p14:creationId xmlns:p14="http://schemas.microsoft.com/office/powerpoint/2010/main" val="2694516489"/>
       </p:ext>
     </p:extLst>
   </p:cSld>
@@ -842,10 +842,7 @@
           <a:bodyPr/>
           <a:lstStyle/>
           <a:p>
-            <a:r>
-              <a:rPr lang="en-US" dirty="0"/>
-              <a:t>add a few more diagrams</a:t>
-            </a:r>
+            <a:endParaRPr lang="en-US" dirty="0"/>
           </a:p>
         </p:txBody>
       </p:sp>
@@ -864,6 +861,93 @@
           <a:bodyPr/>
           <a:lstStyle/>
           <a:p>
+            <a:fld id="{C6332D3B-FEDF-6C43-A016-1D93B22A1D6C}" type="slidenum">
+              <a:rPr lang="en-US" smtClean="0"/>
+              <a:t>31</a:t>
+            </a:fld>
+            <a:endParaRPr lang="en-US"/>
+          </a:p>
+        </p:txBody>
+      </p:sp>
+    </p:spTree>
+    <p:extLst>
+      <p:ext uri="{BB962C8B-B14F-4D97-AF65-F5344CB8AC3E}">
+        <p14:creationId xmlns:p14="http://schemas.microsoft.com/office/powerpoint/2010/main" val="2512167771"/>
+      </p:ext>
+    </p:extLst>
+  </p:cSld>
+  <p:clrMapOvr>
+    <a:masterClrMapping/>
+  </p:clrMapOvr>
+</p:notes>
+</file>
+
+<file path=ppt/notesSlides/notesSlide5.xml><?xml version="1.0" encoding="utf-8"?>
+<p:notes xmlns:a="http://schemas.openxmlformats.org/drawingml/2006/main" xmlns:r="http://schemas.openxmlformats.org/officeDocument/2006/relationships" xmlns:p="http://schemas.openxmlformats.org/presentationml/2006/main">
+  <p:cSld>
+    <p:spTree>
+      <p:nvGrpSpPr>
+        <p:cNvPr id="1" name=""/>
+        <p:cNvGrpSpPr/>
+        <p:nvPr/>
+      </p:nvGrpSpPr>
+      <p:grpSpPr>
+        <a:xfrm>
+          <a:off x="0" y="0"/>
+          <a:ext cx="0" cy="0"/>
+          <a:chOff x="0" y="0"/>
+          <a:chExt cx="0" cy="0"/>
+        </a:xfrm>
+      </p:grpSpPr>
+      <p:sp>
+        <p:nvSpPr>
+          <p:cNvPr id="2" name="Slide Image Placeholder 1"/>
+          <p:cNvSpPr>
+            <a:spLocks noGrp="1" noRot="1" noChangeAspect="1"/>
+          </p:cNvSpPr>
+          <p:nvPr>
+            <p:ph type="sldImg"/>
+          </p:nvPr>
+        </p:nvSpPr>
+        <p:spPr/>
+      </p:sp>
+      <p:sp>
+        <p:nvSpPr>
+          <p:cNvPr id="3" name="Notes Placeholder 2"/>
+          <p:cNvSpPr>
+            <a:spLocks noGrp="1"/>
+          </p:cNvSpPr>
+          <p:nvPr>
+            <p:ph type="body" idx="1"/>
+          </p:nvPr>
+        </p:nvSpPr>
+        <p:spPr/>
+        <p:txBody>
+          <a:bodyPr/>
+          <a:lstStyle/>
+          <a:p>
+            <a:r>
+              <a:rPr lang="en-US" dirty="0"/>
+              <a:t>add a few more diagrams</a:t>
+            </a:r>
+          </a:p>
+        </p:txBody>
+      </p:sp>
+      <p:sp>
+        <p:nvSpPr>
+          <p:cNvPr id="4" name="Slide Number Placeholder 3"/>
+          <p:cNvSpPr>
+            <a:spLocks noGrp="1"/>
+          </p:cNvSpPr>
+          <p:nvPr>
+            <p:ph type="sldNum" sz="quarter" idx="5"/>
+          </p:nvPr>
+        </p:nvSpPr>
+        <p:spPr/>
+        <p:txBody>
+          <a:bodyPr/>
+          <a:lstStyle/>
+          <a:p>
             <a:fld id="{28ADF047-1B25-3B46-81D9-720B09124FC2}" type="slidenum">
               <a:rPr lang="en-US" smtClean="0"/>
               <a:t>39</a:t>
@@ -885,7 +969,91 @@
 </p:notes>
 </file>
 
-<file path=ppt/notesSlides/notesSlide5.xml><?xml version="1.0" encoding="utf-8"?>
+<file path=ppt/notesSlides/notesSlide6.xml><?xml version="1.0" encoding="utf-8"?>
+<p:notes xmlns:a="http://schemas.openxmlformats.org/drawingml/2006/main" xmlns:r="http://schemas.openxmlformats.org/officeDocument/2006/relationships" xmlns:p="http://schemas.openxmlformats.org/presentationml/2006/main">
+  <p:cSld>
+    <p:spTree>
+      <p:nvGrpSpPr>
+        <p:cNvPr id="1" name=""/>
+        <p:cNvGrpSpPr/>
+        <p:nvPr/>
+      </p:nvGrpSpPr>
+      <p:grpSpPr>
+        <a:xfrm>
+          <a:off x="0" y="0"/>
+          <a:ext cx="0" cy="0"/>
+          <a:chOff x="0" y="0"/>
+          <a:chExt cx="0" cy="0"/>
+        </a:xfrm>
+      </p:grpSpPr>
+      <p:sp>
+        <p:nvSpPr>
+          <p:cNvPr id="2" name="Slide Image Placeholder 1"/>
+          <p:cNvSpPr>
+            <a:spLocks noGrp="1" noRot="1" noChangeAspect="1"/>
+          </p:cNvSpPr>
+          <p:nvPr>
+            <p:ph type="sldImg"/>
+          </p:nvPr>
+        </p:nvSpPr>
+        <p:spPr/>
+      </p:sp>
+      <p:sp>
+        <p:nvSpPr>
+          <p:cNvPr id="3" name="Notes Placeholder 2"/>
+          <p:cNvSpPr>
+            <a:spLocks noGrp="1"/>
+          </p:cNvSpPr>
+          <p:nvPr>
+            <p:ph type="body" idx="1"/>
+          </p:nvPr>
+        </p:nvSpPr>
+        <p:spPr/>
+        <p:txBody>
+          <a:bodyPr/>
+          <a:lstStyle/>
+          <a:p>
+            <a:endParaRPr lang="en-US" dirty="0"/>
+          </a:p>
+        </p:txBody>
+      </p:sp>
+      <p:sp>
+        <p:nvSpPr>
+          <p:cNvPr id="4" name="Slide Number Placeholder 3"/>
+          <p:cNvSpPr>
+            <a:spLocks noGrp="1"/>
+          </p:cNvSpPr>
+          <p:nvPr>
+            <p:ph type="sldNum" sz="quarter" idx="5"/>
+          </p:nvPr>
+        </p:nvSpPr>
+        <p:spPr/>
+        <p:txBody>
+          <a:bodyPr/>
+          <a:lstStyle/>
+          <a:p>
+            <a:fld id="{C6332D3B-FEDF-6C43-A016-1D93B22A1D6C}" type="slidenum">
+              <a:rPr lang="en-US" smtClean="0"/>
+              <a:t>45</a:t>
+            </a:fld>
+            <a:endParaRPr lang="en-US"/>
+          </a:p>
+        </p:txBody>
+      </p:sp>
+    </p:spTree>
+    <p:extLst>
+      <p:ext uri="{BB962C8B-B14F-4D97-AF65-F5344CB8AC3E}">
+        <p14:creationId xmlns:p14="http://schemas.microsoft.com/office/powerpoint/2010/main" val="1347026647"/>
+      </p:ext>
+    </p:extLst>
+  </p:cSld>
+  <p:clrMapOvr>
+    <a:masterClrMapping/>
+  </p:clrMapOvr>
+</p:notes>
+</file>
+
+<file path=ppt/notesSlides/notesSlide7.xml><?xml version="1.0" encoding="utf-8"?>
 <p:notes xmlns:a="http://schemas.openxmlformats.org/drawingml/2006/main" xmlns:r="http://schemas.openxmlformats.org/officeDocument/2006/relationships" xmlns:p="http://schemas.openxmlformats.org/presentationml/2006/main">
   <p:cSld>
     <p:spTree>
